--- a/ppt 16-9/1546.寻找.pptx
+++ b/ppt 16-9/1546.寻找.pptx
@@ -129,7 +129,7 @@
           <p:cNvPr id="2" name="标题 1">
             <a:extLst>
               <a:ext uri="{FF2B5EF4-FFF2-40B4-BE49-F238E27FC236}">
-                <a16:creationId xmlns:a16="http://schemas.microsoft.com/office/drawing/2014/main" id="{DCF5DBC6-D230-DCAD-8513-2581EAE17639}"/>
+                <a16:creationId xmlns:a16="http://schemas.microsoft.com/office/drawing/2014/main" id="{AF0AA76D-812F-42B3-D65B-057D165266FD}"/>
               </a:ext>
             </a:extLst>
           </p:cNvPr>
@@ -166,7 +166,7 @@
           <p:cNvPr id="3" name="副标题 2">
             <a:extLst>
               <a:ext uri="{FF2B5EF4-FFF2-40B4-BE49-F238E27FC236}">
-                <a16:creationId xmlns:a16="http://schemas.microsoft.com/office/drawing/2014/main" id="{79FF1181-3EC7-34B5-FC59-FC0052473EC4}"/>
+                <a16:creationId xmlns:a16="http://schemas.microsoft.com/office/drawing/2014/main" id="{FA15EC90-60DA-1C95-C4E3-BE12DA130263}"/>
               </a:ext>
             </a:extLst>
           </p:cNvPr>
@@ -236,7 +236,7 @@
           <p:cNvPr id="4" name="日期占位符 3">
             <a:extLst>
               <a:ext uri="{FF2B5EF4-FFF2-40B4-BE49-F238E27FC236}">
-                <a16:creationId xmlns:a16="http://schemas.microsoft.com/office/drawing/2014/main" id="{9B031264-02BB-C383-E758-87079BB18583}"/>
+                <a16:creationId xmlns:a16="http://schemas.microsoft.com/office/drawing/2014/main" id="{3376B557-6558-B643-B2BE-46B74006BE28}"/>
               </a:ext>
             </a:extLst>
           </p:cNvPr>
@@ -252,7 +252,7 @@
           <a:bodyPr/>
           <a:lstStyle/>
           <a:p>
-            <a:fld id="{4FBE0B04-8970-4715-8F5B-0A03A7122627}" type="datetimeFigureOut">
+            <a:fld id="{68C531B4-1983-4CF1-8AEA-08498F0395AE}" type="datetimeFigureOut">
               <a:rPr lang="zh-CN" altLang="en-US" smtClean="0"/>
               <a:t>2024/3/10</a:t>
             </a:fld>
@@ -265,7 +265,7 @@
           <p:cNvPr id="5" name="页脚占位符 4">
             <a:extLst>
               <a:ext uri="{FF2B5EF4-FFF2-40B4-BE49-F238E27FC236}">
-                <a16:creationId xmlns:a16="http://schemas.microsoft.com/office/drawing/2014/main" id="{7FE6E185-7565-FC7B-8B75-C9941D6BD270}"/>
+                <a16:creationId xmlns:a16="http://schemas.microsoft.com/office/drawing/2014/main" id="{B4A0D2EE-494F-68B9-A404-6FD524966149}"/>
               </a:ext>
             </a:extLst>
           </p:cNvPr>
@@ -290,7 +290,7 @@
           <p:cNvPr id="6" name="灯片编号占位符 5">
             <a:extLst>
               <a:ext uri="{FF2B5EF4-FFF2-40B4-BE49-F238E27FC236}">
-                <a16:creationId xmlns:a16="http://schemas.microsoft.com/office/drawing/2014/main" id="{BE8AE567-67A1-650B-1D17-B61009CCD629}"/>
+                <a16:creationId xmlns:a16="http://schemas.microsoft.com/office/drawing/2014/main" id="{5B5AF466-6A5E-9749-AFB5-F80ECF4FFEF7}"/>
               </a:ext>
             </a:extLst>
           </p:cNvPr>
@@ -306,7 +306,7 @@
           <a:bodyPr/>
           <a:lstStyle/>
           <a:p>
-            <a:fld id="{E122A91B-AC74-494C-A4D1-5FDC910523DA}" type="slidenum">
+            <a:fld id="{AAD90C0F-9EAB-4B09-882F-51505C2444E2}" type="slidenum">
               <a:rPr lang="zh-CN" altLang="en-US" smtClean="0"/>
               <a:t>‹#›</a:t>
             </a:fld>
@@ -317,7 +317,7 @@
     </p:spTree>
     <p:extLst>
       <p:ext uri="{BB962C8B-B14F-4D97-AF65-F5344CB8AC3E}">
-        <p14:creationId xmlns:p14="http://schemas.microsoft.com/office/powerpoint/2010/main" val="3812748221"/>
+        <p14:creationId xmlns:p14="http://schemas.microsoft.com/office/powerpoint/2010/main" val="1231157742"/>
       </p:ext>
     </p:extLst>
   </p:cSld>
@@ -349,7 +349,7 @@
           <p:cNvPr id="2" name="标题 1">
             <a:extLst>
               <a:ext uri="{FF2B5EF4-FFF2-40B4-BE49-F238E27FC236}">
-                <a16:creationId xmlns:a16="http://schemas.microsoft.com/office/drawing/2014/main" id="{14EC09BC-7047-C976-A896-5F327F8EBFD6}"/>
+                <a16:creationId xmlns:a16="http://schemas.microsoft.com/office/drawing/2014/main" id="{B59EB612-BD9B-41CF-37A9-7563530A71A8}"/>
               </a:ext>
             </a:extLst>
           </p:cNvPr>
@@ -377,7 +377,7 @@
           <p:cNvPr id="3" name="竖排文字占位符 2">
             <a:extLst>
               <a:ext uri="{FF2B5EF4-FFF2-40B4-BE49-F238E27FC236}">
-                <a16:creationId xmlns:a16="http://schemas.microsoft.com/office/drawing/2014/main" id="{919002D1-47C7-97F4-1927-D181E0D88C50}"/>
+                <a16:creationId xmlns:a16="http://schemas.microsoft.com/office/drawing/2014/main" id="{FC759477-B7E5-B098-1275-0AED910D6929}"/>
               </a:ext>
             </a:extLst>
           </p:cNvPr>
@@ -434,7 +434,7 @@
           <p:cNvPr id="4" name="日期占位符 3">
             <a:extLst>
               <a:ext uri="{FF2B5EF4-FFF2-40B4-BE49-F238E27FC236}">
-                <a16:creationId xmlns:a16="http://schemas.microsoft.com/office/drawing/2014/main" id="{EFEEACCC-5455-4AD9-2B99-60BACB1DA5CC}"/>
+                <a16:creationId xmlns:a16="http://schemas.microsoft.com/office/drawing/2014/main" id="{44D65224-AE8D-0241-A983-9F034B773D81}"/>
               </a:ext>
             </a:extLst>
           </p:cNvPr>
@@ -450,7 +450,7 @@
           <a:bodyPr/>
           <a:lstStyle/>
           <a:p>
-            <a:fld id="{4FBE0B04-8970-4715-8F5B-0A03A7122627}" type="datetimeFigureOut">
+            <a:fld id="{68C531B4-1983-4CF1-8AEA-08498F0395AE}" type="datetimeFigureOut">
               <a:rPr lang="zh-CN" altLang="en-US" smtClean="0"/>
               <a:t>2024/3/10</a:t>
             </a:fld>
@@ -463,7 +463,7 @@
           <p:cNvPr id="5" name="页脚占位符 4">
             <a:extLst>
               <a:ext uri="{FF2B5EF4-FFF2-40B4-BE49-F238E27FC236}">
-                <a16:creationId xmlns:a16="http://schemas.microsoft.com/office/drawing/2014/main" id="{E131230B-8603-FAAA-68D6-B972E600FE9F}"/>
+                <a16:creationId xmlns:a16="http://schemas.microsoft.com/office/drawing/2014/main" id="{D56C2925-E16F-FFB4-E8B5-4D7DCEAB123F}"/>
               </a:ext>
             </a:extLst>
           </p:cNvPr>
@@ -488,7 +488,7 @@
           <p:cNvPr id="6" name="灯片编号占位符 5">
             <a:extLst>
               <a:ext uri="{FF2B5EF4-FFF2-40B4-BE49-F238E27FC236}">
-                <a16:creationId xmlns:a16="http://schemas.microsoft.com/office/drawing/2014/main" id="{B4B4C719-8D68-6397-2BC0-6CE8F9CF98A6}"/>
+                <a16:creationId xmlns:a16="http://schemas.microsoft.com/office/drawing/2014/main" id="{D8BE6918-0D80-2DD1-32AC-77A76B2BC73D}"/>
               </a:ext>
             </a:extLst>
           </p:cNvPr>
@@ -504,7 +504,7 @@
           <a:bodyPr/>
           <a:lstStyle/>
           <a:p>
-            <a:fld id="{E122A91B-AC74-494C-A4D1-5FDC910523DA}" type="slidenum">
+            <a:fld id="{AAD90C0F-9EAB-4B09-882F-51505C2444E2}" type="slidenum">
               <a:rPr lang="zh-CN" altLang="en-US" smtClean="0"/>
               <a:t>‹#›</a:t>
             </a:fld>
@@ -515,7 +515,7 @@
     </p:spTree>
     <p:extLst>
       <p:ext uri="{BB962C8B-B14F-4D97-AF65-F5344CB8AC3E}">
-        <p14:creationId xmlns:p14="http://schemas.microsoft.com/office/powerpoint/2010/main" val="326418718"/>
+        <p14:creationId xmlns:p14="http://schemas.microsoft.com/office/powerpoint/2010/main" val="3375610064"/>
       </p:ext>
     </p:extLst>
   </p:cSld>
@@ -547,7 +547,7 @@
           <p:cNvPr id="2" name="竖排标题 1">
             <a:extLst>
               <a:ext uri="{FF2B5EF4-FFF2-40B4-BE49-F238E27FC236}">
-                <a16:creationId xmlns:a16="http://schemas.microsoft.com/office/drawing/2014/main" id="{7160F79C-7EAA-B709-EC74-CC6DA3CF1DFA}"/>
+                <a16:creationId xmlns:a16="http://schemas.microsoft.com/office/drawing/2014/main" id="{3F3469DB-AE18-7819-7FB5-E00B53B08A9B}"/>
               </a:ext>
             </a:extLst>
           </p:cNvPr>
@@ -580,7 +580,7 @@
           <p:cNvPr id="3" name="竖排文字占位符 2">
             <a:extLst>
               <a:ext uri="{FF2B5EF4-FFF2-40B4-BE49-F238E27FC236}">
-                <a16:creationId xmlns:a16="http://schemas.microsoft.com/office/drawing/2014/main" id="{FC36AC65-785F-758E-9470-33A0AD6F40C5}"/>
+                <a16:creationId xmlns:a16="http://schemas.microsoft.com/office/drawing/2014/main" id="{6AEC5CCB-3EFD-4FC0-C25E-A68DEEDB3B06}"/>
               </a:ext>
             </a:extLst>
           </p:cNvPr>
@@ -642,7 +642,7 @@
           <p:cNvPr id="4" name="日期占位符 3">
             <a:extLst>
               <a:ext uri="{FF2B5EF4-FFF2-40B4-BE49-F238E27FC236}">
-                <a16:creationId xmlns:a16="http://schemas.microsoft.com/office/drawing/2014/main" id="{1D0247B6-740D-BC74-DCBB-9DC8BC6AD6D5}"/>
+                <a16:creationId xmlns:a16="http://schemas.microsoft.com/office/drawing/2014/main" id="{E902B7C8-0522-D748-241C-51E41F68CCF5}"/>
               </a:ext>
             </a:extLst>
           </p:cNvPr>
@@ -658,7 +658,7 @@
           <a:bodyPr/>
           <a:lstStyle/>
           <a:p>
-            <a:fld id="{4FBE0B04-8970-4715-8F5B-0A03A7122627}" type="datetimeFigureOut">
+            <a:fld id="{68C531B4-1983-4CF1-8AEA-08498F0395AE}" type="datetimeFigureOut">
               <a:rPr lang="zh-CN" altLang="en-US" smtClean="0"/>
               <a:t>2024/3/10</a:t>
             </a:fld>
@@ -671,7 +671,7 @@
           <p:cNvPr id="5" name="页脚占位符 4">
             <a:extLst>
               <a:ext uri="{FF2B5EF4-FFF2-40B4-BE49-F238E27FC236}">
-                <a16:creationId xmlns:a16="http://schemas.microsoft.com/office/drawing/2014/main" id="{AE43E9AD-7601-78F7-BDE6-3293F52C6626}"/>
+                <a16:creationId xmlns:a16="http://schemas.microsoft.com/office/drawing/2014/main" id="{C2E5F167-CFE5-82AE-BFEE-5028F485DCEB}"/>
               </a:ext>
             </a:extLst>
           </p:cNvPr>
@@ -696,7 +696,7 @@
           <p:cNvPr id="6" name="灯片编号占位符 5">
             <a:extLst>
               <a:ext uri="{FF2B5EF4-FFF2-40B4-BE49-F238E27FC236}">
-                <a16:creationId xmlns:a16="http://schemas.microsoft.com/office/drawing/2014/main" id="{7E309EB0-6C12-934E-17E3-F604CABEE327}"/>
+                <a16:creationId xmlns:a16="http://schemas.microsoft.com/office/drawing/2014/main" id="{7B77F1D1-5D9B-CDB0-CAE1-F9F2D25D105F}"/>
               </a:ext>
             </a:extLst>
           </p:cNvPr>
@@ -712,7 +712,7 @@
           <a:bodyPr/>
           <a:lstStyle/>
           <a:p>
-            <a:fld id="{E122A91B-AC74-494C-A4D1-5FDC910523DA}" type="slidenum">
+            <a:fld id="{AAD90C0F-9EAB-4B09-882F-51505C2444E2}" type="slidenum">
               <a:rPr lang="zh-CN" altLang="en-US" smtClean="0"/>
               <a:t>‹#›</a:t>
             </a:fld>
@@ -723,7 +723,7 @@
     </p:spTree>
     <p:extLst>
       <p:ext uri="{BB962C8B-B14F-4D97-AF65-F5344CB8AC3E}">
-        <p14:creationId xmlns:p14="http://schemas.microsoft.com/office/powerpoint/2010/main" val="1962770381"/>
+        <p14:creationId xmlns:p14="http://schemas.microsoft.com/office/powerpoint/2010/main" val="4273430566"/>
       </p:ext>
     </p:extLst>
   </p:cSld>
@@ -755,7 +755,7 @@
           <p:cNvPr id="2" name="标题 1">
             <a:extLst>
               <a:ext uri="{FF2B5EF4-FFF2-40B4-BE49-F238E27FC236}">
-                <a16:creationId xmlns:a16="http://schemas.microsoft.com/office/drawing/2014/main" id="{861F7A7F-F6F9-B703-73FE-B9C2F4BA99E5}"/>
+                <a16:creationId xmlns:a16="http://schemas.microsoft.com/office/drawing/2014/main" id="{61DF0AB1-0189-1C2D-7C83-DD7F4720F9E7}"/>
               </a:ext>
             </a:extLst>
           </p:cNvPr>
@@ -783,7 +783,7 @@
           <p:cNvPr id="3" name="内容占位符 2">
             <a:extLst>
               <a:ext uri="{FF2B5EF4-FFF2-40B4-BE49-F238E27FC236}">
-                <a16:creationId xmlns:a16="http://schemas.microsoft.com/office/drawing/2014/main" id="{1008DD8B-02F8-EFBB-788A-A8DFC2F7B96A}"/>
+                <a16:creationId xmlns:a16="http://schemas.microsoft.com/office/drawing/2014/main" id="{A5681F98-05CB-8A97-7A9A-5CD12AD3CA7B}"/>
               </a:ext>
             </a:extLst>
           </p:cNvPr>
@@ -840,7 +840,7 @@
           <p:cNvPr id="4" name="日期占位符 3">
             <a:extLst>
               <a:ext uri="{FF2B5EF4-FFF2-40B4-BE49-F238E27FC236}">
-                <a16:creationId xmlns:a16="http://schemas.microsoft.com/office/drawing/2014/main" id="{9966C66B-F0C7-D925-63D8-DF3AAE0A7A9D}"/>
+                <a16:creationId xmlns:a16="http://schemas.microsoft.com/office/drawing/2014/main" id="{27784802-72AD-8736-1AEE-9FA16075E296}"/>
               </a:ext>
             </a:extLst>
           </p:cNvPr>
@@ -856,7 +856,7 @@
           <a:bodyPr/>
           <a:lstStyle/>
           <a:p>
-            <a:fld id="{4FBE0B04-8970-4715-8F5B-0A03A7122627}" type="datetimeFigureOut">
+            <a:fld id="{68C531B4-1983-4CF1-8AEA-08498F0395AE}" type="datetimeFigureOut">
               <a:rPr lang="zh-CN" altLang="en-US" smtClean="0"/>
               <a:t>2024/3/10</a:t>
             </a:fld>
@@ -869,7 +869,7 @@
           <p:cNvPr id="5" name="页脚占位符 4">
             <a:extLst>
               <a:ext uri="{FF2B5EF4-FFF2-40B4-BE49-F238E27FC236}">
-                <a16:creationId xmlns:a16="http://schemas.microsoft.com/office/drawing/2014/main" id="{5F413496-1DAE-76D8-6BF2-0AADD39235C2}"/>
+                <a16:creationId xmlns:a16="http://schemas.microsoft.com/office/drawing/2014/main" id="{00C50233-2858-C9C1-8F64-4669A314DF0B}"/>
               </a:ext>
             </a:extLst>
           </p:cNvPr>
@@ -894,7 +894,7 @@
           <p:cNvPr id="6" name="灯片编号占位符 5">
             <a:extLst>
               <a:ext uri="{FF2B5EF4-FFF2-40B4-BE49-F238E27FC236}">
-                <a16:creationId xmlns:a16="http://schemas.microsoft.com/office/drawing/2014/main" id="{90688D46-8863-DE0F-F224-32FC8CCB67D5}"/>
+                <a16:creationId xmlns:a16="http://schemas.microsoft.com/office/drawing/2014/main" id="{C00DF126-B979-6258-DA7D-B06B5BAC64B7}"/>
               </a:ext>
             </a:extLst>
           </p:cNvPr>
@@ -910,7 +910,7 @@
           <a:bodyPr/>
           <a:lstStyle/>
           <a:p>
-            <a:fld id="{E122A91B-AC74-494C-A4D1-5FDC910523DA}" type="slidenum">
+            <a:fld id="{AAD90C0F-9EAB-4B09-882F-51505C2444E2}" type="slidenum">
               <a:rPr lang="zh-CN" altLang="en-US" smtClean="0"/>
               <a:t>‹#›</a:t>
             </a:fld>
@@ -921,7 +921,7 @@
     </p:spTree>
     <p:extLst>
       <p:ext uri="{BB962C8B-B14F-4D97-AF65-F5344CB8AC3E}">
-        <p14:creationId xmlns:p14="http://schemas.microsoft.com/office/powerpoint/2010/main" val="3989399989"/>
+        <p14:creationId xmlns:p14="http://schemas.microsoft.com/office/powerpoint/2010/main" val="3108334354"/>
       </p:ext>
     </p:extLst>
   </p:cSld>
@@ -953,7 +953,7 @@
           <p:cNvPr id="2" name="标题 1">
             <a:extLst>
               <a:ext uri="{FF2B5EF4-FFF2-40B4-BE49-F238E27FC236}">
-                <a16:creationId xmlns:a16="http://schemas.microsoft.com/office/drawing/2014/main" id="{D33C8623-6E22-F551-5AC0-6ACB05D57CF0}"/>
+                <a16:creationId xmlns:a16="http://schemas.microsoft.com/office/drawing/2014/main" id="{3980430B-BA1D-A0DC-B330-D157DE10F96F}"/>
               </a:ext>
             </a:extLst>
           </p:cNvPr>
@@ -990,7 +990,7 @@
           <p:cNvPr id="3" name="文本占位符 2">
             <a:extLst>
               <a:ext uri="{FF2B5EF4-FFF2-40B4-BE49-F238E27FC236}">
-                <a16:creationId xmlns:a16="http://schemas.microsoft.com/office/drawing/2014/main" id="{CC00D945-069F-CFF7-B88A-0697B288E216}"/>
+                <a16:creationId xmlns:a16="http://schemas.microsoft.com/office/drawing/2014/main" id="{701ADC88-CD43-E2FE-A883-D7D8FB2580C4}"/>
               </a:ext>
             </a:extLst>
           </p:cNvPr>
@@ -1115,7 +1115,7 @@
           <p:cNvPr id="4" name="日期占位符 3">
             <a:extLst>
               <a:ext uri="{FF2B5EF4-FFF2-40B4-BE49-F238E27FC236}">
-                <a16:creationId xmlns:a16="http://schemas.microsoft.com/office/drawing/2014/main" id="{A3FA780F-67E6-8F8E-F447-B967F4CFFD52}"/>
+                <a16:creationId xmlns:a16="http://schemas.microsoft.com/office/drawing/2014/main" id="{51FDFAE1-5EB8-29DC-73BD-109F692A1B30}"/>
               </a:ext>
             </a:extLst>
           </p:cNvPr>
@@ -1131,7 +1131,7 @@
           <a:bodyPr/>
           <a:lstStyle/>
           <a:p>
-            <a:fld id="{4FBE0B04-8970-4715-8F5B-0A03A7122627}" type="datetimeFigureOut">
+            <a:fld id="{68C531B4-1983-4CF1-8AEA-08498F0395AE}" type="datetimeFigureOut">
               <a:rPr lang="zh-CN" altLang="en-US" smtClean="0"/>
               <a:t>2024/3/10</a:t>
             </a:fld>
@@ -1144,7 +1144,7 @@
           <p:cNvPr id="5" name="页脚占位符 4">
             <a:extLst>
               <a:ext uri="{FF2B5EF4-FFF2-40B4-BE49-F238E27FC236}">
-                <a16:creationId xmlns:a16="http://schemas.microsoft.com/office/drawing/2014/main" id="{864BE634-324A-BF75-C9A3-2DAB632CBDDB}"/>
+                <a16:creationId xmlns:a16="http://schemas.microsoft.com/office/drawing/2014/main" id="{EF5C08AF-9D77-AF59-9BA1-7808D3A656EA}"/>
               </a:ext>
             </a:extLst>
           </p:cNvPr>
@@ -1169,7 +1169,7 @@
           <p:cNvPr id="6" name="灯片编号占位符 5">
             <a:extLst>
               <a:ext uri="{FF2B5EF4-FFF2-40B4-BE49-F238E27FC236}">
-                <a16:creationId xmlns:a16="http://schemas.microsoft.com/office/drawing/2014/main" id="{0B65CC3F-83DE-1CA8-99F7-7FA16DBA8EEC}"/>
+                <a16:creationId xmlns:a16="http://schemas.microsoft.com/office/drawing/2014/main" id="{4FA3F37D-1E6C-6FB6-41C6-30AC301F513B}"/>
               </a:ext>
             </a:extLst>
           </p:cNvPr>
@@ -1185,7 +1185,7 @@
           <a:bodyPr/>
           <a:lstStyle/>
           <a:p>
-            <a:fld id="{E122A91B-AC74-494C-A4D1-5FDC910523DA}" type="slidenum">
+            <a:fld id="{AAD90C0F-9EAB-4B09-882F-51505C2444E2}" type="slidenum">
               <a:rPr lang="zh-CN" altLang="en-US" smtClean="0"/>
               <a:t>‹#›</a:t>
             </a:fld>
@@ -1196,7 +1196,7 @@
     </p:spTree>
     <p:extLst>
       <p:ext uri="{BB962C8B-B14F-4D97-AF65-F5344CB8AC3E}">
-        <p14:creationId xmlns:p14="http://schemas.microsoft.com/office/powerpoint/2010/main" val="2576131886"/>
+        <p14:creationId xmlns:p14="http://schemas.microsoft.com/office/powerpoint/2010/main" val="3159158243"/>
       </p:ext>
     </p:extLst>
   </p:cSld>
@@ -1228,7 +1228,7 @@
           <p:cNvPr id="2" name="标题 1">
             <a:extLst>
               <a:ext uri="{FF2B5EF4-FFF2-40B4-BE49-F238E27FC236}">
-                <a16:creationId xmlns:a16="http://schemas.microsoft.com/office/drawing/2014/main" id="{63CEC4FD-2CF7-0917-90BE-AA7D20554EC1}"/>
+                <a16:creationId xmlns:a16="http://schemas.microsoft.com/office/drawing/2014/main" id="{CD31A6AB-B29F-70E2-49E2-139096199627}"/>
               </a:ext>
             </a:extLst>
           </p:cNvPr>
@@ -1256,7 +1256,7 @@
           <p:cNvPr id="3" name="内容占位符 2">
             <a:extLst>
               <a:ext uri="{FF2B5EF4-FFF2-40B4-BE49-F238E27FC236}">
-                <a16:creationId xmlns:a16="http://schemas.microsoft.com/office/drawing/2014/main" id="{C13D6F19-AC51-9D59-E564-625760E07337}"/>
+                <a16:creationId xmlns:a16="http://schemas.microsoft.com/office/drawing/2014/main" id="{6D85BB36-1054-3B82-647F-907B048CB5FB}"/>
               </a:ext>
             </a:extLst>
           </p:cNvPr>
@@ -1318,7 +1318,7 @@
           <p:cNvPr id="4" name="内容占位符 3">
             <a:extLst>
               <a:ext uri="{FF2B5EF4-FFF2-40B4-BE49-F238E27FC236}">
-                <a16:creationId xmlns:a16="http://schemas.microsoft.com/office/drawing/2014/main" id="{04E5D658-9B49-EB2F-9955-AC4B08544EDF}"/>
+                <a16:creationId xmlns:a16="http://schemas.microsoft.com/office/drawing/2014/main" id="{CCC5D4B9-87D5-F237-0326-3DB2B0F9CE97}"/>
               </a:ext>
             </a:extLst>
           </p:cNvPr>
@@ -1380,7 +1380,7 @@
           <p:cNvPr id="5" name="日期占位符 4">
             <a:extLst>
               <a:ext uri="{FF2B5EF4-FFF2-40B4-BE49-F238E27FC236}">
-                <a16:creationId xmlns:a16="http://schemas.microsoft.com/office/drawing/2014/main" id="{7880AD84-FD87-51BF-C065-FFA8E343F2DD}"/>
+                <a16:creationId xmlns:a16="http://schemas.microsoft.com/office/drawing/2014/main" id="{43D673A9-F548-1C11-85B3-601BB95DF52B}"/>
               </a:ext>
             </a:extLst>
           </p:cNvPr>
@@ -1396,7 +1396,7 @@
           <a:bodyPr/>
           <a:lstStyle/>
           <a:p>
-            <a:fld id="{4FBE0B04-8970-4715-8F5B-0A03A7122627}" type="datetimeFigureOut">
+            <a:fld id="{68C531B4-1983-4CF1-8AEA-08498F0395AE}" type="datetimeFigureOut">
               <a:rPr lang="zh-CN" altLang="en-US" smtClean="0"/>
               <a:t>2024/3/10</a:t>
             </a:fld>
@@ -1409,7 +1409,7 @@
           <p:cNvPr id="6" name="页脚占位符 5">
             <a:extLst>
               <a:ext uri="{FF2B5EF4-FFF2-40B4-BE49-F238E27FC236}">
-                <a16:creationId xmlns:a16="http://schemas.microsoft.com/office/drawing/2014/main" id="{01F37910-20F0-74D6-4399-A6F68B25BAF3}"/>
+                <a16:creationId xmlns:a16="http://schemas.microsoft.com/office/drawing/2014/main" id="{A5D6EE52-C837-E29B-2260-BC98DE8E3D7B}"/>
               </a:ext>
             </a:extLst>
           </p:cNvPr>
@@ -1434,7 +1434,7 @@
           <p:cNvPr id="7" name="灯片编号占位符 6">
             <a:extLst>
               <a:ext uri="{FF2B5EF4-FFF2-40B4-BE49-F238E27FC236}">
-                <a16:creationId xmlns:a16="http://schemas.microsoft.com/office/drawing/2014/main" id="{B6D295F7-EEBF-A90C-A534-C7DC6CB94DDC}"/>
+                <a16:creationId xmlns:a16="http://schemas.microsoft.com/office/drawing/2014/main" id="{AECFE2CF-6EB8-CC3B-A0EB-9DF7F43763DE}"/>
               </a:ext>
             </a:extLst>
           </p:cNvPr>
@@ -1450,7 +1450,7 @@
           <a:bodyPr/>
           <a:lstStyle/>
           <a:p>
-            <a:fld id="{E122A91B-AC74-494C-A4D1-5FDC910523DA}" type="slidenum">
+            <a:fld id="{AAD90C0F-9EAB-4B09-882F-51505C2444E2}" type="slidenum">
               <a:rPr lang="zh-CN" altLang="en-US" smtClean="0"/>
               <a:t>‹#›</a:t>
             </a:fld>
@@ -1461,7 +1461,7 @@
     </p:spTree>
     <p:extLst>
       <p:ext uri="{BB962C8B-B14F-4D97-AF65-F5344CB8AC3E}">
-        <p14:creationId xmlns:p14="http://schemas.microsoft.com/office/powerpoint/2010/main" val="676677690"/>
+        <p14:creationId xmlns:p14="http://schemas.microsoft.com/office/powerpoint/2010/main" val="2301702831"/>
       </p:ext>
     </p:extLst>
   </p:cSld>
@@ -1493,7 +1493,7 @@
           <p:cNvPr id="2" name="标题 1">
             <a:extLst>
               <a:ext uri="{FF2B5EF4-FFF2-40B4-BE49-F238E27FC236}">
-                <a16:creationId xmlns:a16="http://schemas.microsoft.com/office/drawing/2014/main" id="{1E0ADC16-9214-2FE8-9975-DDA494F4C404}"/>
+                <a16:creationId xmlns:a16="http://schemas.microsoft.com/office/drawing/2014/main" id="{D5539DB7-673F-CF99-0274-C0CC1DC9DD5B}"/>
               </a:ext>
             </a:extLst>
           </p:cNvPr>
@@ -1526,7 +1526,7 @@
           <p:cNvPr id="3" name="文本占位符 2">
             <a:extLst>
               <a:ext uri="{FF2B5EF4-FFF2-40B4-BE49-F238E27FC236}">
-                <a16:creationId xmlns:a16="http://schemas.microsoft.com/office/drawing/2014/main" id="{1AA12823-4169-F53B-B810-E4B2945EB14C}"/>
+                <a16:creationId xmlns:a16="http://schemas.microsoft.com/office/drawing/2014/main" id="{BAB5C0D0-7DD9-0B7D-8765-CB0FAE207442}"/>
               </a:ext>
             </a:extLst>
           </p:cNvPr>
@@ -1597,7 +1597,7 @@
           <p:cNvPr id="4" name="内容占位符 3">
             <a:extLst>
               <a:ext uri="{FF2B5EF4-FFF2-40B4-BE49-F238E27FC236}">
-                <a16:creationId xmlns:a16="http://schemas.microsoft.com/office/drawing/2014/main" id="{D4B14BE3-82A6-73E1-4B57-C88A9CB4A36E}"/>
+                <a16:creationId xmlns:a16="http://schemas.microsoft.com/office/drawing/2014/main" id="{2859A1AC-969B-AE79-9F60-FCAB704DB18B}"/>
               </a:ext>
             </a:extLst>
           </p:cNvPr>
@@ -1659,7 +1659,7 @@
           <p:cNvPr id="5" name="文本占位符 4">
             <a:extLst>
               <a:ext uri="{FF2B5EF4-FFF2-40B4-BE49-F238E27FC236}">
-                <a16:creationId xmlns:a16="http://schemas.microsoft.com/office/drawing/2014/main" id="{200F0C16-AA5F-C7A8-78DE-9A3640C41EAE}"/>
+                <a16:creationId xmlns:a16="http://schemas.microsoft.com/office/drawing/2014/main" id="{FA07FE5E-92DE-4433-3A53-B8080B9A7359}"/>
               </a:ext>
             </a:extLst>
           </p:cNvPr>
@@ -1730,7 +1730,7 @@
           <p:cNvPr id="6" name="内容占位符 5">
             <a:extLst>
               <a:ext uri="{FF2B5EF4-FFF2-40B4-BE49-F238E27FC236}">
-                <a16:creationId xmlns:a16="http://schemas.microsoft.com/office/drawing/2014/main" id="{A09A9AE5-0A56-07F7-1EBF-A7E60D52CF4F}"/>
+                <a16:creationId xmlns:a16="http://schemas.microsoft.com/office/drawing/2014/main" id="{78850409-E620-A399-0D02-D30EC3F5C386}"/>
               </a:ext>
             </a:extLst>
           </p:cNvPr>
@@ -1792,7 +1792,7 @@
           <p:cNvPr id="7" name="日期占位符 6">
             <a:extLst>
               <a:ext uri="{FF2B5EF4-FFF2-40B4-BE49-F238E27FC236}">
-                <a16:creationId xmlns:a16="http://schemas.microsoft.com/office/drawing/2014/main" id="{AF523270-0540-AE1B-5CFC-3B9D76EDEEE2}"/>
+                <a16:creationId xmlns:a16="http://schemas.microsoft.com/office/drawing/2014/main" id="{694BD549-1D9D-B671-621B-EB0F7ED700C7}"/>
               </a:ext>
             </a:extLst>
           </p:cNvPr>
@@ -1808,7 +1808,7 @@
           <a:bodyPr/>
           <a:lstStyle/>
           <a:p>
-            <a:fld id="{4FBE0B04-8970-4715-8F5B-0A03A7122627}" type="datetimeFigureOut">
+            <a:fld id="{68C531B4-1983-4CF1-8AEA-08498F0395AE}" type="datetimeFigureOut">
               <a:rPr lang="zh-CN" altLang="en-US" smtClean="0"/>
               <a:t>2024/3/10</a:t>
             </a:fld>
@@ -1821,7 +1821,7 @@
           <p:cNvPr id="8" name="页脚占位符 7">
             <a:extLst>
               <a:ext uri="{FF2B5EF4-FFF2-40B4-BE49-F238E27FC236}">
-                <a16:creationId xmlns:a16="http://schemas.microsoft.com/office/drawing/2014/main" id="{8B27FCC7-3747-DD4B-F0C5-DD4001D2993C}"/>
+                <a16:creationId xmlns:a16="http://schemas.microsoft.com/office/drawing/2014/main" id="{A625AF19-8576-5986-289A-14D286C378DB}"/>
               </a:ext>
             </a:extLst>
           </p:cNvPr>
@@ -1846,7 +1846,7 @@
           <p:cNvPr id="9" name="灯片编号占位符 8">
             <a:extLst>
               <a:ext uri="{FF2B5EF4-FFF2-40B4-BE49-F238E27FC236}">
-                <a16:creationId xmlns:a16="http://schemas.microsoft.com/office/drawing/2014/main" id="{B68A3945-9A56-E018-329B-A462814509D9}"/>
+                <a16:creationId xmlns:a16="http://schemas.microsoft.com/office/drawing/2014/main" id="{AC4D89DF-D533-4C7A-8E8D-2F81D85C7EF1}"/>
               </a:ext>
             </a:extLst>
           </p:cNvPr>
@@ -1862,7 +1862,7 @@
           <a:bodyPr/>
           <a:lstStyle/>
           <a:p>
-            <a:fld id="{E122A91B-AC74-494C-A4D1-5FDC910523DA}" type="slidenum">
+            <a:fld id="{AAD90C0F-9EAB-4B09-882F-51505C2444E2}" type="slidenum">
               <a:rPr lang="zh-CN" altLang="en-US" smtClean="0"/>
               <a:t>‹#›</a:t>
             </a:fld>
@@ -1873,7 +1873,7 @@
     </p:spTree>
     <p:extLst>
       <p:ext uri="{BB962C8B-B14F-4D97-AF65-F5344CB8AC3E}">
-        <p14:creationId xmlns:p14="http://schemas.microsoft.com/office/powerpoint/2010/main" val="454771550"/>
+        <p14:creationId xmlns:p14="http://schemas.microsoft.com/office/powerpoint/2010/main" val="3008563345"/>
       </p:ext>
     </p:extLst>
   </p:cSld>
@@ -1905,7 +1905,7 @@
           <p:cNvPr id="2" name="标题 1">
             <a:extLst>
               <a:ext uri="{FF2B5EF4-FFF2-40B4-BE49-F238E27FC236}">
-                <a16:creationId xmlns:a16="http://schemas.microsoft.com/office/drawing/2014/main" id="{7299FE5D-BF73-A085-4F65-B1886101AD04}"/>
+                <a16:creationId xmlns:a16="http://schemas.microsoft.com/office/drawing/2014/main" id="{B7AD0BB9-9745-62E7-5C05-645E7396B7FA}"/>
               </a:ext>
             </a:extLst>
           </p:cNvPr>
@@ -1933,7 +1933,7 @@
           <p:cNvPr id="3" name="日期占位符 2">
             <a:extLst>
               <a:ext uri="{FF2B5EF4-FFF2-40B4-BE49-F238E27FC236}">
-                <a16:creationId xmlns:a16="http://schemas.microsoft.com/office/drawing/2014/main" id="{803E48B0-CCB6-9376-E055-058053855514}"/>
+                <a16:creationId xmlns:a16="http://schemas.microsoft.com/office/drawing/2014/main" id="{F3D5984B-8E84-ECDC-BCD7-2A9E3A933C5D}"/>
               </a:ext>
             </a:extLst>
           </p:cNvPr>
@@ -1949,7 +1949,7 @@
           <a:bodyPr/>
           <a:lstStyle/>
           <a:p>
-            <a:fld id="{4FBE0B04-8970-4715-8F5B-0A03A7122627}" type="datetimeFigureOut">
+            <a:fld id="{68C531B4-1983-4CF1-8AEA-08498F0395AE}" type="datetimeFigureOut">
               <a:rPr lang="zh-CN" altLang="en-US" smtClean="0"/>
               <a:t>2024/3/10</a:t>
             </a:fld>
@@ -1962,7 +1962,7 @@
           <p:cNvPr id="4" name="页脚占位符 3">
             <a:extLst>
               <a:ext uri="{FF2B5EF4-FFF2-40B4-BE49-F238E27FC236}">
-                <a16:creationId xmlns:a16="http://schemas.microsoft.com/office/drawing/2014/main" id="{B609E4E2-FAE5-2AC3-31D0-418C9C1BB5D8}"/>
+                <a16:creationId xmlns:a16="http://schemas.microsoft.com/office/drawing/2014/main" id="{E2A95030-7EC2-4C20-DAF5-8B6CDD14BC82}"/>
               </a:ext>
             </a:extLst>
           </p:cNvPr>
@@ -1987,7 +1987,7 @@
           <p:cNvPr id="5" name="灯片编号占位符 4">
             <a:extLst>
               <a:ext uri="{FF2B5EF4-FFF2-40B4-BE49-F238E27FC236}">
-                <a16:creationId xmlns:a16="http://schemas.microsoft.com/office/drawing/2014/main" id="{8A4C6E34-6784-4038-67C8-60FF62FAA52B}"/>
+                <a16:creationId xmlns:a16="http://schemas.microsoft.com/office/drawing/2014/main" id="{21720A0F-EC56-B574-9ED1-B2DED215FB42}"/>
               </a:ext>
             </a:extLst>
           </p:cNvPr>
@@ -2003,7 +2003,7 @@
           <a:bodyPr/>
           <a:lstStyle/>
           <a:p>
-            <a:fld id="{E122A91B-AC74-494C-A4D1-5FDC910523DA}" type="slidenum">
+            <a:fld id="{AAD90C0F-9EAB-4B09-882F-51505C2444E2}" type="slidenum">
               <a:rPr lang="zh-CN" altLang="en-US" smtClean="0"/>
               <a:t>‹#›</a:t>
             </a:fld>
@@ -2014,7 +2014,7 @@
     </p:spTree>
     <p:extLst>
       <p:ext uri="{BB962C8B-B14F-4D97-AF65-F5344CB8AC3E}">
-        <p14:creationId xmlns:p14="http://schemas.microsoft.com/office/powerpoint/2010/main" val="2975256943"/>
+        <p14:creationId xmlns:p14="http://schemas.microsoft.com/office/powerpoint/2010/main" val="3247068625"/>
       </p:ext>
     </p:extLst>
   </p:cSld>
@@ -2046,7 +2046,7 @@
           <p:cNvPr id="2" name="日期占位符 1">
             <a:extLst>
               <a:ext uri="{FF2B5EF4-FFF2-40B4-BE49-F238E27FC236}">
-                <a16:creationId xmlns:a16="http://schemas.microsoft.com/office/drawing/2014/main" id="{C3FE71C5-2C5E-B599-EE2A-CBBAB5779C94}"/>
+                <a16:creationId xmlns:a16="http://schemas.microsoft.com/office/drawing/2014/main" id="{CE8D808F-5906-AE17-5FC9-3128D38F22AE}"/>
               </a:ext>
             </a:extLst>
           </p:cNvPr>
@@ -2062,7 +2062,7 @@
           <a:bodyPr/>
           <a:lstStyle/>
           <a:p>
-            <a:fld id="{4FBE0B04-8970-4715-8F5B-0A03A7122627}" type="datetimeFigureOut">
+            <a:fld id="{68C531B4-1983-4CF1-8AEA-08498F0395AE}" type="datetimeFigureOut">
               <a:rPr lang="zh-CN" altLang="en-US" smtClean="0"/>
               <a:t>2024/3/10</a:t>
             </a:fld>
@@ -2075,7 +2075,7 @@
           <p:cNvPr id="3" name="页脚占位符 2">
             <a:extLst>
               <a:ext uri="{FF2B5EF4-FFF2-40B4-BE49-F238E27FC236}">
-                <a16:creationId xmlns:a16="http://schemas.microsoft.com/office/drawing/2014/main" id="{3362CD84-95BE-F0EE-A82F-552496448F7C}"/>
+                <a16:creationId xmlns:a16="http://schemas.microsoft.com/office/drawing/2014/main" id="{91215588-F209-203B-B27D-E801FEA11F02}"/>
               </a:ext>
             </a:extLst>
           </p:cNvPr>
@@ -2100,7 +2100,7 @@
           <p:cNvPr id="4" name="灯片编号占位符 3">
             <a:extLst>
               <a:ext uri="{FF2B5EF4-FFF2-40B4-BE49-F238E27FC236}">
-                <a16:creationId xmlns:a16="http://schemas.microsoft.com/office/drawing/2014/main" id="{66B3EE2D-8CE6-9300-E649-9C61ADBB921C}"/>
+                <a16:creationId xmlns:a16="http://schemas.microsoft.com/office/drawing/2014/main" id="{BAF17668-2203-B625-FB56-86A6BFE9E5F8}"/>
               </a:ext>
             </a:extLst>
           </p:cNvPr>
@@ -2116,7 +2116,7 @@
           <a:bodyPr/>
           <a:lstStyle/>
           <a:p>
-            <a:fld id="{E122A91B-AC74-494C-A4D1-5FDC910523DA}" type="slidenum">
+            <a:fld id="{AAD90C0F-9EAB-4B09-882F-51505C2444E2}" type="slidenum">
               <a:rPr lang="zh-CN" altLang="en-US" smtClean="0"/>
               <a:t>‹#›</a:t>
             </a:fld>
@@ -2127,7 +2127,7 @@
     </p:spTree>
     <p:extLst>
       <p:ext uri="{BB962C8B-B14F-4D97-AF65-F5344CB8AC3E}">
-        <p14:creationId xmlns:p14="http://schemas.microsoft.com/office/powerpoint/2010/main" val="1720670902"/>
+        <p14:creationId xmlns:p14="http://schemas.microsoft.com/office/powerpoint/2010/main" val="1036076560"/>
       </p:ext>
     </p:extLst>
   </p:cSld>
@@ -2159,7 +2159,7 @@
           <p:cNvPr id="2" name="标题 1">
             <a:extLst>
               <a:ext uri="{FF2B5EF4-FFF2-40B4-BE49-F238E27FC236}">
-                <a16:creationId xmlns:a16="http://schemas.microsoft.com/office/drawing/2014/main" id="{C9DE417A-C08B-BEFD-847C-3236316FEB33}"/>
+                <a16:creationId xmlns:a16="http://schemas.microsoft.com/office/drawing/2014/main" id="{A49BBDC3-8410-4AE9-D92B-2A16F2F28CA0}"/>
               </a:ext>
             </a:extLst>
           </p:cNvPr>
@@ -2196,7 +2196,7 @@
           <p:cNvPr id="3" name="内容占位符 2">
             <a:extLst>
               <a:ext uri="{FF2B5EF4-FFF2-40B4-BE49-F238E27FC236}">
-                <a16:creationId xmlns:a16="http://schemas.microsoft.com/office/drawing/2014/main" id="{04F8DA05-0B27-0406-0DDB-4C558DADF80B}"/>
+                <a16:creationId xmlns:a16="http://schemas.microsoft.com/office/drawing/2014/main" id="{7FCC7B56-6CD2-ECD0-BEE4-F0B69E6B36F7}"/>
               </a:ext>
             </a:extLst>
           </p:cNvPr>
@@ -2286,7 +2286,7 @@
           <p:cNvPr id="4" name="文本占位符 3">
             <a:extLst>
               <a:ext uri="{FF2B5EF4-FFF2-40B4-BE49-F238E27FC236}">
-                <a16:creationId xmlns:a16="http://schemas.microsoft.com/office/drawing/2014/main" id="{7C411157-4334-F028-3E07-57D444F4D8DD}"/>
+                <a16:creationId xmlns:a16="http://schemas.microsoft.com/office/drawing/2014/main" id="{59AD1BCA-91E1-0AFA-7229-D73090AFD0DC}"/>
               </a:ext>
             </a:extLst>
           </p:cNvPr>
@@ -2357,7 +2357,7 @@
           <p:cNvPr id="5" name="日期占位符 4">
             <a:extLst>
               <a:ext uri="{FF2B5EF4-FFF2-40B4-BE49-F238E27FC236}">
-                <a16:creationId xmlns:a16="http://schemas.microsoft.com/office/drawing/2014/main" id="{8538384D-964B-C92B-5B60-C35EDA5B03A9}"/>
+                <a16:creationId xmlns:a16="http://schemas.microsoft.com/office/drawing/2014/main" id="{6AE4F695-3567-DE1F-3154-165E12E7DD05}"/>
               </a:ext>
             </a:extLst>
           </p:cNvPr>
@@ -2373,7 +2373,7 @@
           <a:bodyPr/>
           <a:lstStyle/>
           <a:p>
-            <a:fld id="{4FBE0B04-8970-4715-8F5B-0A03A7122627}" type="datetimeFigureOut">
+            <a:fld id="{68C531B4-1983-4CF1-8AEA-08498F0395AE}" type="datetimeFigureOut">
               <a:rPr lang="zh-CN" altLang="en-US" smtClean="0"/>
               <a:t>2024/3/10</a:t>
             </a:fld>
@@ -2386,7 +2386,7 @@
           <p:cNvPr id="6" name="页脚占位符 5">
             <a:extLst>
               <a:ext uri="{FF2B5EF4-FFF2-40B4-BE49-F238E27FC236}">
-                <a16:creationId xmlns:a16="http://schemas.microsoft.com/office/drawing/2014/main" id="{FA215B24-A921-3F9F-E2EB-CE9857CB61A3}"/>
+                <a16:creationId xmlns:a16="http://schemas.microsoft.com/office/drawing/2014/main" id="{93EE9432-B8E9-2483-B317-A96243637C94}"/>
               </a:ext>
             </a:extLst>
           </p:cNvPr>
@@ -2411,7 +2411,7 @@
           <p:cNvPr id="7" name="灯片编号占位符 6">
             <a:extLst>
               <a:ext uri="{FF2B5EF4-FFF2-40B4-BE49-F238E27FC236}">
-                <a16:creationId xmlns:a16="http://schemas.microsoft.com/office/drawing/2014/main" id="{29D4DFF7-D9D6-CF41-6767-EC50833E3E73}"/>
+                <a16:creationId xmlns:a16="http://schemas.microsoft.com/office/drawing/2014/main" id="{29CB69BE-C0FB-01E6-F70F-ECBCA20371C4}"/>
               </a:ext>
             </a:extLst>
           </p:cNvPr>
@@ -2427,7 +2427,7 @@
           <a:bodyPr/>
           <a:lstStyle/>
           <a:p>
-            <a:fld id="{E122A91B-AC74-494C-A4D1-5FDC910523DA}" type="slidenum">
+            <a:fld id="{AAD90C0F-9EAB-4B09-882F-51505C2444E2}" type="slidenum">
               <a:rPr lang="zh-CN" altLang="en-US" smtClean="0"/>
               <a:t>‹#›</a:t>
             </a:fld>
@@ -2438,7 +2438,7 @@
     </p:spTree>
     <p:extLst>
       <p:ext uri="{BB962C8B-B14F-4D97-AF65-F5344CB8AC3E}">
-        <p14:creationId xmlns:p14="http://schemas.microsoft.com/office/powerpoint/2010/main" val="703654053"/>
+        <p14:creationId xmlns:p14="http://schemas.microsoft.com/office/powerpoint/2010/main" val="3117593682"/>
       </p:ext>
     </p:extLst>
   </p:cSld>
@@ -2470,7 +2470,7 @@
           <p:cNvPr id="2" name="标题 1">
             <a:extLst>
               <a:ext uri="{FF2B5EF4-FFF2-40B4-BE49-F238E27FC236}">
-                <a16:creationId xmlns:a16="http://schemas.microsoft.com/office/drawing/2014/main" id="{B4BAA3E5-F28D-A8F1-847A-1DBCB0371A5A}"/>
+                <a16:creationId xmlns:a16="http://schemas.microsoft.com/office/drawing/2014/main" id="{5F111A89-69AA-740D-BB42-B6AC7DCD2B5C}"/>
               </a:ext>
             </a:extLst>
           </p:cNvPr>
@@ -2507,7 +2507,7 @@
           <p:cNvPr id="3" name="图片占位符 2">
             <a:extLst>
               <a:ext uri="{FF2B5EF4-FFF2-40B4-BE49-F238E27FC236}">
-                <a16:creationId xmlns:a16="http://schemas.microsoft.com/office/drawing/2014/main" id="{0429250F-FF76-ABF1-60E9-DAAF65D44E5C}"/>
+                <a16:creationId xmlns:a16="http://schemas.microsoft.com/office/drawing/2014/main" id="{89EA1A89-CBF7-0975-B182-C539834C2475}"/>
               </a:ext>
             </a:extLst>
           </p:cNvPr>
@@ -2574,7 +2574,7 @@
           <p:cNvPr id="4" name="文本占位符 3">
             <a:extLst>
               <a:ext uri="{FF2B5EF4-FFF2-40B4-BE49-F238E27FC236}">
-                <a16:creationId xmlns:a16="http://schemas.microsoft.com/office/drawing/2014/main" id="{2D2FAC7D-63DC-C540-2709-6B7586171876}"/>
+                <a16:creationId xmlns:a16="http://schemas.microsoft.com/office/drawing/2014/main" id="{DF515811-C5E4-8EA1-5957-DEF86606849E}"/>
               </a:ext>
             </a:extLst>
           </p:cNvPr>
@@ -2645,7 +2645,7 @@
           <p:cNvPr id="5" name="日期占位符 4">
             <a:extLst>
               <a:ext uri="{FF2B5EF4-FFF2-40B4-BE49-F238E27FC236}">
-                <a16:creationId xmlns:a16="http://schemas.microsoft.com/office/drawing/2014/main" id="{B4450DD6-F105-7D7E-C874-8134DE949A16}"/>
+                <a16:creationId xmlns:a16="http://schemas.microsoft.com/office/drawing/2014/main" id="{51DE99E7-F1C3-379E-7912-9D53113E5557}"/>
               </a:ext>
             </a:extLst>
           </p:cNvPr>
@@ -2661,7 +2661,7 @@
           <a:bodyPr/>
           <a:lstStyle/>
           <a:p>
-            <a:fld id="{4FBE0B04-8970-4715-8F5B-0A03A7122627}" type="datetimeFigureOut">
+            <a:fld id="{68C531B4-1983-4CF1-8AEA-08498F0395AE}" type="datetimeFigureOut">
               <a:rPr lang="zh-CN" altLang="en-US" smtClean="0"/>
               <a:t>2024/3/10</a:t>
             </a:fld>
@@ -2674,7 +2674,7 @@
           <p:cNvPr id="6" name="页脚占位符 5">
             <a:extLst>
               <a:ext uri="{FF2B5EF4-FFF2-40B4-BE49-F238E27FC236}">
-                <a16:creationId xmlns:a16="http://schemas.microsoft.com/office/drawing/2014/main" id="{DC34AD9B-9378-E870-9271-10990A1C70A6}"/>
+                <a16:creationId xmlns:a16="http://schemas.microsoft.com/office/drawing/2014/main" id="{9FE7342C-2AD3-F2BD-B021-E422F91829DE}"/>
               </a:ext>
             </a:extLst>
           </p:cNvPr>
@@ -2699,7 +2699,7 @@
           <p:cNvPr id="7" name="灯片编号占位符 6">
             <a:extLst>
               <a:ext uri="{FF2B5EF4-FFF2-40B4-BE49-F238E27FC236}">
-                <a16:creationId xmlns:a16="http://schemas.microsoft.com/office/drawing/2014/main" id="{046F2EAA-F206-3F1D-7724-DB0D6DCF924E}"/>
+                <a16:creationId xmlns:a16="http://schemas.microsoft.com/office/drawing/2014/main" id="{93A44125-0164-EA8C-8FE2-B19600C894B4}"/>
               </a:ext>
             </a:extLst>
           </p:cNvPr>
@@ -2715,7 +2715,7 @@
           <a:bodyPr/>
           <a:lstStyle/>
           <a:p>
-            <a:fld id="{E122A91B-AC74-494C-A4D1-5FDC910523DA}" type="slidenum">
+            <a:fld id="{AAD90C0F-9EAB-4B09-882F-51505C2444E2}" type="slidenum">
               <a:rPr lang="zh-CN" altLang="en-US" smtClean="0"/>
               <a:t>‹#›</a:t>
             </a:fld>
@@ -2726,7 +2726,7 @@
     </p:spTree>
     <p:extLst>
       <p:ext uri="{BB962C8B-B14F-4D97-AF65-F5344CB8AC3E}">
-        <p14:creationId xmlns:p14="http://schemas.microsoft.com/office/powerpoint/2010/main" val="1927814383"/>
+        <p14:creationId xmlns:p14="http://schemas.microsoft.com/office/powerpoint/2010/main" val="1710478560"/>
       </p:ext>
     </p:extLst>
   </p:cSld>
@@ -2763,7 +2763,7 @@
           <p:cNvPr id="2" name="标题占位符 1">
             <a:extLst>
               <a:ext uri="{FF2B5EF4-FFF2-40B4-BE49-F238E27FC236}">
-                <a16:creationId xmlns:a16="http://schemas.microsoft.com/office/drawing/2014/main" id="{777423E8-A906-C849-CC8A-B280C62D7657}"/>
+                <a16:creationId xmlns:a16="http://schemas.microsoft.com/office/drawing/2014/main" id="{09DC368B-9E45-6BAC-BC10-D1D54E176E04}"/>
               </a:ext>
             </a:extLst>
           </p:cNvPr>
@@ -2801,7 +2801,7 @@
           <p:cNvPr id="3" name="文本占位符 2">
             <a:extLst>
               <a:ext uri="{FF2B5EF4-FFF2-40B4-BE49-F238E27FC236}">
-                <a16:creationId xmlns:a16="http://schemas.microsoft.com/office/drawing/2014/main" id="{46341140-9DD8-1A1E-6D44-4E6F985A896E}"/>
+                <a16:creationId xmlns:a16="http://schemas.microsoft.com/office/drawing/2014/main" id="{4B0B6D22-72CD-F91C-922D-DA8C24EB1EF8}"/>
               </a:ext>
             </a:extLst>
           </p:cNvPr>
@@ -2868,7 +2868,7 @@
           <p:cNvPr id="4" name="日期占位符 3">
             <a:extLst>
               <a:ext uri="{FF2B5EF4-FFF2-40B4-BE49-F238E27FC236}">
-                <a16:creationId xmlns:a16="http://schemas.microsoft.com/office/drawing/2014/main" id="{288AB29E-D2E4-8189-C973-F1E06657A29E}"/>
+                <a16:creationId xmlns:a16="http://schemas.microsoft.com/office/drawing/2014/main" id="{6958BD52-AB6C-2805-79BF-2B249EF56DEE}"/>
               </a:ext>
             </a:extLst>
           </p:cNvPr>
@@ -2902,7 +2902,7 @@
             </a:lvl1pPr>
           </a:lstStyle>
           <a:p>
-            <a:fld id="{4FBE0B04-8970-4715-8F5B-0A03A7122627}" type="datetimeFigureOut">
+            <a:fld id="{68C531B4-1983-4CF1-8AEA-08498F0395AE}" type="datetimeFigureOut">
               <a:rPr lang="zh-CN" altLang="en-US" smtClean="0"/>
               <a:t>2024/3/10</a:t>
             </a:fld>
@@ -2915,7 +2915,7 @@
           <p:cNvPr id="5" name="页脚占位符 4">
             <a:extLst>
               <a:ext uri="{FF2B5EF4-FFF2-40B4-BE49-F238E27FC236}">
-                <a16:creationId xmlns:a16="http://schemas.microsoft.com/office/drawing/2014/main" id="{59749EE9-AAE1-02FE-0538-BB307A4CDC65}"/>
+                <a16:creationId xmlns:a16="http://schemas.microsoft.com/office/drawing/2014/main" id="{2530F410-DAF4-B687-DC1E-4E981DE8432A}"/>
               </a:ext>
             </a:extLst>
           </p:cNvPr>
@@ -2958,7 +2958,7 @@
           <p:cNvPr id="6" name="灯片编号占位符 5">
             <a:extLst>
               <a:ext uri="{FF2B5EF4-FFF2-40B4-BE49-F238E27FC236}">
-                <a16:creationId xmlns:a16="http://schemas.microsoft.com/office/drawing/2014/main" id="{E744DA16-BA9C-58B3-ADF4-3E150F608068}"/>
+                <a16:creationId xmlns:a16="http://schemas.microsoft.com/office/drawing/2014/main" id="{D9C4346A-3371-141D-C522-2E714E7ADD15}"/>
               </a:ext>
             </a:extLst>
           </p:cNvPr>
@@ -2992,7 +2992,7 @@
             </a:lvl1pPr>
           </a:lstStyle>
           <a:p>
-            <a:fld id="{E122A91B-AC74-494C-A4D1-5FDC910523DA}" type="slidenum">
+            <a:fld id="{AAD90C0F-9EAB-4B09-882F-51505C2444E2}" type="slidenum">
               <a:rPr lang="zh-CN" altLang="en-US" smtClean="0"/>
               <a:t>‹#›</a:t>
             </a:fld>
@@ -3003,7 +3003,7 @@
     </p:spTree>
     <p:extLst>
       <p:ext uri="{BB962C8B-B14F-4D97-AF65-F5344CB8AC3E}">
-        <p14:creationId xmlns:p14="http://schemas.microsoft.com/office/powerpoint/2010/main" val="885603420"/>
+        <p14:creationId xmlns:p14="http://schemas.microsoft.com/office/powerpoint/2010/main" val="4210988462"/>
       </p:ext>
     </p:extLst>
   </p:cSld>
